--- a/Learning Phase/Week 5/Day 4/2. Kafka Messaging/2. Understanding Topics, Producers and Consumers/4-apache-kafka-getting-started-m4-slides.pptx
+++ b/Learning Phase/Week 5/Day 4/2. Kafka Messaging/2. Understanding Topics, Producers and Consumers/4-apache-kafka-getting-started-m4-slides.pptx
@@ -225,7 +225,7 @@
           <a:p>
             <a:fld id="{B3BAFCDC-6546-40E5-8FC2-AF5B64B2B32B}" type="datetimeFigureOut">
               <a:rPr lang="en-US" smtClean="0"/>
-              <a:t>11/16/2023</a:t>
+              <a:t>11/17/2023</a:t>
             </a:fld>
             <a:endParaRPr lang="en-US"/>
           </a:p>
@@ -635,7 +635,7 @@
           <a:p>
             <a:fld id="{8CF4FCEB-FADC-4C9A-A253-625315866780}" type="datetime1">
               <a:rPr lang="en-US" smtClean="0"/>
-              <a:t>11/16/2023</a:t>
+              <a:t>11/17/2023</a:t>
             </a:fld>
             <a:endParaRPr lang="en-US"/>
           </a:p>
@@ -812,7 +812,7 @@
           <a:p>
             <a:fld id="{475CE37B-23B3-446E-9B8A-AF4FAB595F1C}" type="datetime1">
               <a:rPr lang="en-US" smtClean="0"/>
-              <a:t>11/16/2023</a:t>
+              <a:t>11/17/2023</a:t>
             </a:fld>
             <a:endParaRPr lang="en-US"/>
           </a:p>
@@ -1108,7 +1108,7 @@
           <a:p>
             <a:fld id="{D0A2CD34-5A78-4DAD-8B4B-CF6978BF1D6C}" type="datetime1">
               <a:rPr lang="en-US" smtClean="0"/>
-              <a:t>11/16/2023</a:t>
+              <a:t>11/17/2023</a:t>
             </a:fld>
             <a:endParaRPr lang="en-US"/>
           </a:p>
@@ -1256,7 +1256,7 @@
           <a:p>
             <a:fld id="{9EF0BB39-352B-4ACF-9318-EE9D94F74888}" type="datetime1">
               <a:rPr lang="en-US" smtClean="0"/>
-              <a:t>11/16/2023</a:t>
+              <a:t>11/17/2023</a:t>
             </a:fld>
             <a:endParaRPr lang="en-US"/>
           </a:p>
@@ -1375,7 +1375,7 @@
           <a:p>
             <a:fld id="{A2C865C1-ADF8-4A48-B42B-0704B6D5A12A}" type="datetime1">
               <a:rPr lang="en-US" smtClean="0"/>
-              <a:t>11/16/2023</a:t>
+              <a:t>11/17/2023</a:t>
             </a:fld>
             <a:endParaRPr lang="en-US"/>
           </a:p>
@@ -1600,7 +1600,7 @@
           <a:p>
             <a:fld id="{533C50C4-C3E7-4D57-98A8-E6F63CA4A14D}" type="datetime1">
               <a:rPr lang="en-US" smtClean="0"/>
-              <a:t>11/16/2023</a:t>
+              <a:t>11/17/2023</a:t>
             </a:fld>
             <a:endParaRPr lang="en-US"/>
           </a:p>
@@ -18675,7 +18675,7 @@
         <p:spPr>
           <a:xfrm>
             <a:off x="5226050" y="3519530"/>
-            <a:ext cx="4074795" cy="1793239"/>
+            <a:ext cx="4074795" cy="1351652"/>
           </a:xfrm>
           <a:prstGeom prst="rect">
             <a:avLst/>
@@ -18705,7 +18705,7 @@
               </a:rPr>
               <a:t>Prerequisites:</a:t>
             </a:r>
-            <a:endParaRPr sz="2400">
+            <a:endParaRPr sz="2400" dirty="0">
               <a:latin typeface="Verdana"/>
               <a:cs typeface="Verdana"/>
             </a:endParaRPr>
@@ -18776,7 +18776,7 @@
               </a:rPr>
               <a:t>system</a:t>
             </a:r>
-            <a:endParaRPr sz="2400">
+            <a:endParaRPr sz="2400" dirty="0">
               <a:latin typeface="Verdana"/>
               <a:cs typeface="Verdana"/>
             </a:endParaRPr>
@@ -18838,6 +18838,16 @@
               <a:t> </a:t>
             </a:r>
             <a:r>
+              <a:rPr lang="en-US" sz="2400" spc="-140" dirty="0">
+                <a:solidFill>
+                  <a:srgbClr val="2A9FBC"/>
+                </a:solidFill>
+                <a:latin typeface="Verdana"/>
+                <a:cs typeface="Verdana"/>
+              </a:rPr>
+              <a:t>+ </a:t>
+            </a:r>
+            <a:r>
               <a:rPr sz="2400" spc="105" dirty="0">
                 <a:solidFill>
                   <a:srgbClr val="2A9FBC"/>
@@ -18867,218 +18877,7 @@
               </a:rPr>
               <a:t>installed</a:t>
             </a:r>
-            <a:endParaRPr sz="2400">
-              <a:latin typeface="Verdana"/>
-              <a:cs typeface="Verdana"/>
-            </a:endParaRPr>
-          </a:p>
-          <a:p>
-            <a:pPr marL="541020" indent="-289560">
-              <a:lnSpc>
-                <a:spcPct val="100000"/>
-              </a:lnSpc>
-              <a:spcBef>
-                <a:spcPts val="600"/>
-              </a:spcBef>
-              <a:buSzPct val="75000"/>
-              <a:buFont typeface="Arial MT"/>
-              <a:buChar char="-"/>
-              <a:tabLst>
-                <a:tab pos="541020" algn="l"/>
-                <a:tab pos="541655" algn="l"/>
-              </a:tabLst>
-            </a:pPr>
-            <a:r>
-              <a:rPr sz="2400" spc="-105" dirty="0">
-                <a:solidFill>
-                  <a:srgbClr val="2A9FBC"/>
-                </a:solidFill>
-                <a:latin typeface="Verdana"/>
-                <a:cs typeface="Verdana"/>
-              </a:rPr>
-              <a:t>S</a:t>
-            </a:r>
-            <a:r>
-              <a:rPr sz="2400" spc="114" dirty="0">
-                <a:solidFill>
-                  <a:srgbClr val="2A9FBC"/>
-                </a:solidFill>
-                <a:latin typeface="Verdana"/>
-                <a:cs typeface="Verdana"/>
-              </a:rPr>
-              <a:t>c</a:t>
-            </a:r>
-            <a:r>
-              <a:rPr sz="2400" spc="-55" dirty="0">
-                <a:solidFill>
-                  <a:srgbClr val="2A9FBC"/>
-                </a:solidFill>
-                <a:latin typeface="Verdana"/>
-                <a:cs typeface="Verdana"/>
-              </a:rPr>
-              <a:t>a</a:t>
-            </a:r>
-            <a:r>
-              <a:rPr sz="2400" spc="-30" dirty="0">
-                <a:solidFill>
-                  <a:srgbClr val="2A9FBC"/>
-                </a:solidFill>
-                <a:latin typeface="Verdana"/>
-                <a:cs typeface="Verdana"/>
-              </a:rPr>
-              <a:t>l</a:t>
-            </a:r>
-            <a:r>
-              <a:rPr sz="2400" spc="-55" dirty="0">
-                <a:solidFill>
-                  <a:srgbClr val="2A9FBC"/>
-                </a:solidFill>
-                <a:latin typeface="Verdana"/>
-                <a:cs typeface="Verdana"/>
-              </a:rPr>
-              <a:t>a</a:t>
-            </a:r>
-            <a:r>
-              <a:rPr sz="2400" spc="-125" dirty="0">
-                <a:solidFill>
-                  <a:srgbClr val="2A9FBC"/>
-                </a:solidFill>
-                <a:latin typeface="Verdana"/>
-                <a:cs typeface="Verdana"/>
-              </a:rPr>
-              <a:t> </a:t>
-            </a:r>
-            <a:r>
-              <a:rPr sz="2400" spc="-90" dirty="0">
-                <a:solidFill>
-                  <a:srgbClr val="2A9FBC"/>
-                </a:solidFill>
-                <a:latin typeface="Verdana"/>
-                <a:cs typeface="Verdana"/>
-              </a:rPr>
-              <a:t>2</a:t>
-            </a:r>
-            <a:r>
-              <a:rPr sz="2400" spc="-409" dirty="0">
-                <a:solidFill>
-                  <a:srgbClr val="2A9FBC"/>
-                </a:solidFill>
-                <a:latin typeface="Verdana"/>
-                <a:cs typeface="Verdana"/>
-              </a:rPr>
-              <a:t>.</a:t>
-            </a:r>
-            <a:r>
-              <a:rPr sz="2400" spc="-675" dirty="0">
-                <a:solidFill>
-                  <a:srgbClr val="2A9FBC"/>
-                </a:solidFill>
-                <a:latin typeface="Verdana"/>
-                <a:cs typeface="Verdana"/>
-              </a:rPr>
-              <a:t>11</a:t>
-            </a:r>
-            <a:r>
-              <a:rPr sz="2400" spc="-170" dirty="0">
-                <a:solidFill>
-                  <a:srgbClr val="2A9FBC"/>
-                </a:solidFill>
-                <a:latin typeface="Verdana"/>
-                <a:cs typeface="Verdana"/>
-              </a:rPr>
-              <a:t>.x</a:t>
-            </a:r>
-            <a:r>
-              <a:rPr sz="2400" spc="-120" dirty="0">
-                <a:solidFill>
-                  <a:srgbClr val="2A9FBC"/>
-                </a:solidFill>
-                <a:latin typeface="Verdana"/>
-                <a:cs typeface="Verdana"/>
-              </a:rPr>
-              <a:t> </a:t>
-            </a:r>
-            <a:r>
-              <a:rPr sz="2400" spc="-35" dirty="0">
-                <a:solidFill>
-                  <a:srgbClr val="2A9FBC"/>
-                </a:solidFill>
-                <a:latin typeface="Verdana"/>
-                <a:cs typeface="Verdana"/>
-              </a:rPr>
-              <a:t>i</a:t>
-            </a:r>
-            <a:r>
-              <a:rPr sz="2400" spc="-50" dirty="0">
-                <a:solidFill>
-                  <a:srgbClr val="2A9FBC"/>
-                </a:solidFill>
-                <a:latin typeface="Verdana"/>
-                <a:cs typeface="Verdana"/>
-              </a:rPr>
-              <a:t>n</a:t>
-            </a:r>
-            <a:r>
-              <a:rPr sz="2400" spc="-90" dirty="0">
-                <a:solidFill>
-                  <a:srgbClr val="2A9FBC"/>
-                </a:solidFill>
-                <a:latin typeface="Verdana"/>
-                <a:cs typeface="Verdana"/>
-              </a:rPr>
-              <a:t>s</a:t>
-            </a:r>
-            <a:r>
-              <a:rPr sz="2400" spc="-25" dirty="0">
-                <a:solidFill>
-                  <a:srgbClr val="2A9FBC"/>
-                </a:solidFill>
-                <a:latin typeface="Verdana"/>
-                <a:cs typeface="Verdana"/>
-              </a:rPr>
-              <a:t>ta</a:t>
-            </a:r>
-            <a:r>
-              <a:rPr sz="2400" spc="-20" dirty="0">
-                <a:solidFill>
-                  <a:srgbClr val="2A9FBC"/>
-                </a:solidFill>
-                <a:latin typeface="Verdana"/>
-                <a:cs typeface="Verdana"/>
-              </a:rPr>
-              <a:t>l</a:t>
-            </a:r>
-            <a:r>
-              <a:rPr sz="2400" spc="-35" dirty="0">
-                <a:solidFill>
-                  <a:srgbClr val="2A9FBC"/>
-                </a:solidFill>
-                <a:latin typeface="Verdana"/>
-                <a:cs typeface="Verdana"/>
-              </a:rPr>
-              <a:t>l</a:t>
-            </a:r>
-            <a:r>
-              <a:rPr sz="2400" spc="-10" dirty="0">
-                <a:solidFill>
-                  <a:srgbClr val="2A9FBC"/>
-                </a:solidFill>
-                <a:latin typeface="Verdana"/>
-                <a:cs typeface="Verdana"/>
-              </a:rPr>
-              <a:t>e</a:t>
-            </a:r>
-            <a:r>
-              <a:rPr sz="2400" spc="95" dirty="0">
-                <a:solidFill>
-                  <a:srgbClr val="2A9FBC"/>
-                </a:solidFill>
-                <a:latin typeface="Verdana"/>
-                <a:cs typeface="Verdana"/>
-              </a:rPr>
-              <a:t>d</a:t>
-            </a:r>
-            <a:endParaRPr sz="2400">
+            <a:endParaRPr sz="2400" dirty="0">
               <a:latin typeface="Verdana"/>
               <a:cs typeface="Verdana"/>
             </a:endParaRPr>
